--- a/簡報1.pptx
+++ b/簡報1.pptx
@@ -11,6 +11,7 @@
     <p:sldId id="261" r:id="rId5"/>
     <p:sldId id="260" r:id="rId6"/>
     <p:sldId id="259" r:id="rId7"/>
+    <p:sldId id="262" r:id="rId8"/>
   </p:sldIdLst>
   <p:sldSz cx="12192000" cy="6858000"/>
   <p:notesSz cx="6858000" cy="9144000"/>
@@ -248,7 +249,7 @@
           <a:p>
             <a:fld id="{A84B0570-1DB9-46D7-90E2-8C9465E3B717}" type="datetimeFigureOut">
               <a:rPr lang="en-US" smtClean="0"/>
-              <a:t>8/23/2020</a:t>
+              <a:t>8/24/2020</a:t>
             </a:fld>
             <a:endParaRPr lang="en-US"/>
           </a:p>
@@ -418,7 +419,7 @@
           <a:p>
             <a:fld id="{A84B0570-1DB9-46D7-90E2-8C9465E3B717}" type="datetimeFigureOut">
               <a:rPr lang="en-US" smtClean="0"/>
-              <a:t>8/23/2020</a:t>
+              <a:t>8/24/2020</a:t>
             </a:fld>
             <a:endParaRPr lang="en-US"/>
           </a:p>
@@ -598,7 +599,7 @@
           <a:p>
             <a:fld id="{A84B0570-1DB9-46D7-90E2-8C9465E3B717}" type="datetimeFigureOut">
               <a:rPr lang="en-US" smtClean="0"/>
-              <a:t>8/23/2020</a:t>
+              <a:t>8/24/2020</a:t>
             </a:fld>
             <a:endParaRPr lang="en-US"/>
           </a:p>
@@ -768,7 +769,7 @@
           <a:p>
             <a:fld id="{A84B0570-1DB9-46D7-90E2-8C9465E3B717}" type="datetimeFigureOut">
               <a:rPr lang="en-US" smtClean="0"/>
-              <a:t>8/23/2020</a:t>
+              <a:t>8/24/2020</a:t>
             </a:fld>
             <a:endParaRPr lang="en-US"/>
           </a:p>
@@ -1014,7 +1015,7 @@
           <a:p>
             <a:fld id="{A84B0570-1DB9-46D7-90E2-8C9465E3B717}" type="datetimeFigureOut">
               <a:rPr lang="en-US" smtClean="0"/>
-              <a:t>8/23/2020</a:t>
+              <a:t>8/24/2020</a:t>
             </a:fld>
             <a:endParaRPr lang="en-US"/>
           </a:p>
@@ -1246,7 +1247,7 @@
           <a:p>
             <a:fld id="{A84B0570-1DB9-46D7-90E2-8C9465E3B717}" type="datetimeFigureOut">
               <a:rPr lang="en-US" smtClean="0"/>
-              <a:t>8/23/2020</a:t>
+              <a:t>8/24/2020</a:t>
             </a:fld>
             <a:endParaRPr lang="en-US"/>
           </a:p>
@@ -1613,7 +1614,7 @@
           <a:p>
             <a:fld id="{A84B0570-1DB9-46D7-90E2-8C9465E3B717}" type="datetimeFigureOut">
               <a:rPr lang="en-US" smtClean="0"/>
-              <a:t>8/23/2020</a:t>
+              <a:t>8/24/2020</a:t>
             </a:fld>
             <a:endParaRPr lang="en-US"/>
           </a:p>
@@ -1731,7 +1732,7 @@
           <a:p>
             <a:fld id="{A84B0570-1DB9-46D7-90E2-8C9465E3B717}" type="datetimeFigureOut">
               <a:rPr lang="en-US" smtClean="0"/>
-              <a:t>8/23/2020</a:t>
+              <a:t>8/24/2020</a:t>
             </a:fld>
             <a:endParaRPr lang="en-US"/>
           </a:p>
@@ -1826,7 +1827,7 @@
           <a:p>
             <a:fld id="{A84B0570-1DB9-46D7-90E2-8C9465E3B717}" type="datetimeFigureOut">
               <a:rPr lang="en-US" smtClean="0"/>
-              <a:t>8/23/2020</a:t>
+              <a:t>8/24/2020</a:t>
             </a:fld>
             <a:endParaRPr lang="en-US"/>
           </a:p>
@@ -2103,7 +2104,7 @@
           <a:p>
             <a:fld id="{A84B0570-1DB9-46D7-90E2-8C9465E3B717}" type="datetimeFigureOut">
               <a:rPr lang="en-US" smtClean="0"/>
-              <a:t>8/23/2020</a:t>
+              <a:t>8/24/2020</a:t>
             </a:fld>
             <a:endParaRPr lang="en-US"/>
           </a:p>
@@ -2356,7 +2357,7 @@
           <a:p>
             <a:fld id="{A84B0570-1DB9-46D7-90E2-8C9465E3B717}" type="datetimeFigureOut">
               <a:rPr lang="en-US" smtClean="0"/>
-              <a:t>8/23/2020</a:t>
+              <a:t>8/24/2020</a:t>
             </a:fld>
             <a:endParaRPr lang="en-US"/>
           </a:p>
@@ -2569,7 +2570,7 @@
           <a:p>
             <a:fld id="{A84B0570-1DB9-46D7-90E2-8C9465E3B717}" type="datetimeFigureOut">
               <a:rPr lang="en-US" smtClean="0"/>
-              <a:t>8/23/2020</a:t>
+              <a:t>8/24/2020</a:t>
             </a:fld>
             <a:endParaRPr lang="en-US"/>
           </a:p>
@@ -5675,8 +5676,8 @@
           </a:p>
         </p:txBody>
       </p:sp>
-      <mc:AlternateContent xmlns:mc="http://schemas.openxmlformats.org/markup-compatibility/2006">
-        <mc:Choice xmlns:a14="http://schemas.microsoft.com/office/drawing/2010/main" Requires="a14">
+      <mc:AlternateContent xmlns:mc="http://schemas.openxmlformats.org/markup-compatibility/2006" xmlns:a14="http://schemas.microsoft.com/office/drawing/2010/main">
+        <mc:Choice Requires="a14">
           <p:sp>
             <p:nvSpPr>
               <p:cNvPr id="9" name="文字方塊 8">
@@ -5927,7 +5928,7 @@
             </p:txBody>
           </p:sp>
         </mc:Choice>
-        <mc:Fallback>
+        <mc:Fallback xmlns="">
           <p:sp>
             <p:nvSpPr>
               <p:cNvPr id="9" name="文字方塊 8">
@@ -5972,8 +5973,8 @@
           </p:sp>
         </mc:Fallback>
       </mc:AlternateContent>
-      <mc:AlternateContent xmlns:mc="http://schemas.openxmlformats.org/markup-compatibility/2006">
-        <mc:Choice xmlns:a14="http://schemas.microsoft.com/office/drawing/2010/main" Requires="a14">
+      <mc:AlternateContent xmlns:mc="http://schemas.openxmlformats.org/markup-compatibility/2006" xmlns:a14="http://schemas.microsoft.com/office/drawing/2010/main">
+        <mc:Choice Requires="a14">
           <p:sp>
             <p:nvSpPr>
               <p:cNvPr id="11" name="文字方塊 10">
@@ -6002,7 +6003,6 @@
               </a:bodyPr>
               <a:lstStyle/>
               <a:p>
-                <a:pPr/>
                 <a14:m>
                   <m:oMath xmlns:m="http://schemas.openxmlformats.org/officeDocument/2006/math">
                     <m:r>
@@ -6024,89 +6024,75 @@
                         <a:latin typeface="Cambria Math" panose="02040503050406030204" pitchFamily="18" charset="0"/>
                         <a:ea typeface="Cambria Math" panose="02040503050406030204" pitchFamily="18" charset="0"/>
                       </a:rPr>
-                      <m:t>(垃圾訊息</m:t>
-                    </m:r>
-                    <m:r>
-                      <a:rPr lang="en-US" altLang="zh-TW" sz="2000" b="0" i="1" smtClean="0">
+                      <m:t>(垃圾訊息)</m:t>
+                    </m:r>
+                    <m:r>
+                      <a:rPr lang="en-US" altLang="zh-TW" sz="2000" i="1" smtClean="0">
                         <a:latin typeface="Cambria Math" panose="02040503050406030204" pitchFamily="18" charset="0"/>
                         <a:ea typeface="Cambria Math" panose="02040503050406030204" pitchFamily="18" charset="0"/>
                       </a:rPr>
-                      <m:t>)</m:t>
+                      <m:t>𝑃</m:t>
                     </m:r>
                     <m:r>
                       <a:rPr lang="en-US" altLang="zh-TW" sz="2000" i="1" smtClean="0">
                         <a:latin typeface="Cambria Math" panose="02040503050406030204" pitchFamily="18" charset="0"/>
                         <a:ea typeface="Cambria Math" panose="02040503050406030204" pitchFamily="18" charset="0"/>
                       </a:rPr>
+                      <m:t>(</m:t>
+                    </m:r>
+                    <m:r>
+                      <a:rPr lang="zh-TW" altLang="en-US" sz="2000" i="1">
+                        <a:latin typeface="Cambria Math" panose="02040503050406030204" pitchFamily="18" charset="0"/>
+                      </a:rPr>
+                      <m:t>優惠</m:t>
+                    </m:r>
+                    <m:r>
+                      <a:rPr lang="en-US" altLang="zh-TW" sz="2000" i="1">
+                        <a:latin typeface="Cambria Math" panose="02040503050406030204" pitchFamily="18" charset="0"/>
+                        <a:ea typeface="Cambria Math" panose="02040503050406030204" pitchFamily="18" charset="0"/>
+                      </a:rPr>
+                      <m:t>=1,</m:t>
+                    </m:r>
+                    <m:r>
+                      <a:rPr lang="zh-TW" altLang="en-US" sz="2000" i="1">
+                        <a:latin typeface="Cambria Math" panose="02040503050406030204" pitchFamily="18" charset="0"/>
+                      </a:rPr>
+                      <m:t>特價</m:t>
+                    </m:r>
+                    <m:r>
+                      <a:rPr lang="en-US" altLang="zh-TW" sz="2000" i="1">
+                        <a:latin typeface="Cambria Math" panose="02040503050406030204" pitchFamily="18" charset="0"/>
+                        <a:ea typeface="Cambria Math" panose="02040503050406030204" pitchFamily="18" charset="0"/>
+                      </a:rPr>
+                      <m:t>=1|</m:t>
+                    </m:r>
+                    <m:r>
+                      <a:rPr lang="zh-TW" altLang="en-US" sz="2000" i="1">
+                        <a:latin typeface="Cambria Math" panose="02040503050406030204" pitchFamily="18" charset="0"/>
+                        <a:ea typeface="Cambria Math" panose="02040503050406030204" pitchFamily="18" charset="0"/>
+                      </a:rPr>
+                      <m:t>垃圾訊息</m:t>
+                    </m:r>
+                    <m:r>
+                      <a:rPr lang="en-US" altLang="zh-TW" sz="2000" i="1">
+                        <a:latin typeface="Cambria Math" panose="02040503050406030204" pitchFamily="18" charset="0"/>
+                        <a:ea typeface="Cambria Math" panose="02040503050406030204" pitchFamily="18" charset="0"/>
+                      </a:rPr>
+                      <m:t>)+</m:t>
+                    </m:r>
+                    <m:r>
+                      <a:rPr lang="en-US" altLang="zh-TW" sz="2000" i="1">
+                        <a:latin typeface="Cambria Math" panose="02040503050406030204" pitchFamily="18" charset="0"/>
+                        <a:ea typeface="Cambria Math" panose="02040503050406030204" pitchFamily="18" charset="0"/>
+                      </a:rPr>
                       <m:t>𝑃</m:t>
                     </m:r>
                     <m:r>
-                      <a:rPr lang="en-US" altLang="zh-TW" sz="2000" i="1" smtClean="0">
+                      <a:rPr lang="en-US" altLang="zh-TW" sz="2000" i="1">
                         <a:latin typeface="Cambria Math" panose="02040503050406030204" pitchFamily="18" charset="0"/>
                         <a:ea typeface="Cambria Math" panose="02040503050406030204" pitchFamily="18" charset="0"/>
                       </a:rPr>
-                      <m:t>(</m:t>
-                    </m:r>
-                    <m:r>
-                      <a:rPr lang="zh-TW" altLang="en-US" sz="2000" i="1">
-                        <a:latin typeface="Cambria Math" panose="02040503050406030204" pitchFamily="18" charset="0"/>
-                      </a:rPr>
-                      <m:t>優惠</m:t>
-                    </m:r>
-                    <m:r>
-                      <a:rPr lang="en-US" altLang="zh-TW" sz="2000" i="1">
-                        <a:latin typeface="Cambria Math" panose="02040503050406030204" pitchFamily="18" charset="0"/>
-                        <a:ea typeface="Cambria Math" panose="02040503050406030204" pitchFamily="18" charset="0"/>
-                      </a:rPr>
-                      <m:t>=1,</m:t>
-                    </m:r>
-                    <m:r>
-                      <a:rPr lang="zh-TW" altLang="en-US" sz="2000" i="1">
-                        <a:latin typeface="Cambria Math" panose="02040503050406030204" pitchFamily="18" charset="0"/>
-                      </a:rPr>
-                      <m:t>特價</m:t>
-                    </m:r>
-                    <m:r>
-                      <a:rPr lang="en-US" altLang="zh-TW" sz="2000" i="1">
-                        <a:latin typeface="Cambria Math" panose="02040503050406030204" pitchFamily="18" charset="0"/>
-                        <a:ea typeface="Cambria Math" panose="02040503050406030204" pitchFamily="18" charset="0"/>
-                      </a:rPr>
-                      <m:t>=1|</m:t>
-                    </m:r>
-                    <m:r>
-                      <a:rPr lang="zh-TW" altLang="en-US" sz="2000" i="1">
-                        <a:latin typeface="Cambria Math" panose="02040503050406030204" pitchFamily="18" charset="0"/>
-                        <a:ea typeface="Cambria Math" panose="02040503050406030204" pitchFamily="18" charset="0"/>
-                      </a:rPr>
-                      <m:t>垃圾訊息</m:t>
-                    </m:r>
-                    <m:r>
-                      <a:rPr lang="en-US" altLang="zh-TW" sz="2000" i="1">
-                        <a:latin typeface="Cambria Math" panose="02040503050406030204" pitchFamily="18" charset="0"/>
-                        <a:ea typeface="Cambria Math" panose="02040503050406030204" pitchFamily="18" charset="0"/>
-                      </a:rPr>
-                      <m:t>)+</m:t>
-                    </m:r>
-                    <m:r>
-                      <a:rPr lang="en-US" altLang="zh-TW" sz="2000" i="1">
-                        <a:latin typeface="Cambria Math" panose="02040503050406030204" pitchFamily="18" charset="0"/>
-                        <a:ea typeface="Cambria Math" panose="02040503050406030204" pitchFamily="18" charset="0"/>
-                      </a:rPr>
-                      <m:t>𝑃</m:t>
-                    </m:r>
-                    <m:r>
-                      <a:rPr lang="en-US" altLang="zh-TW" sz="2000" i="1">
-                        <a:latin typeface="Cambria Math" panose="02040503050406030204" pitchFamily="18" charset="0"/>
-                        <a:ea typeface="Cambria Math" panose="02040503050406030204" pitchFamily="18" charset="0"/>
-                      </a:rPr>
-                      <m:t>(非垃圾訊</m:t>
-                    </m:r>
-                    <m:r>
-                      <a:rPr lang="en-US" altLang="zh-TW" sz="2000" i="1">
-                        <a:latin typeface="Cambria Math" panose="02040503050406030204" pitchFamily="18" charset="0"/>
-                        <a:ea typeface="Cambria Math" panose="02040503050406030204" pitchFamily="18" charset="0"/>
-                      </a:rPr>
-                      <m:t>息)</m:t>
+                      <m:t>(非垃圾訊息)</m:t>
                     </m:r>
                     <m:r>
                       <a:rPr lang="en-US" altLang="zh-TW" sz="2000" i="1">
@@ -6166,7 +6152,7 @@
             </p:txBody>
           </p:sp>
         </mc:Choice>
-        <mc:Fallback>
+        <mc:Fallback xmlns="">
           <p:sp>
             <p:nvSpPr>
               <p:cNvPr id="11" name="文字方塊 10">
@@ -6211,8 +6197,8 @@
           </p:sp>
         </mc:Fallback>
       </mc:AlternateContent>
-      <mc:AlternateContent xmlns:mc="http://schemas.openxmlformats.org/markup-compatibility/2006">
-        <mc:Choice xmlns:a14="http://schemas.microsoft.com/office/drawing/2010/main" Requires="a14">
+      <mc:AlternateContent xmlns:mc="http://schemas.openxmlformats.org/markup-compatibility/2006" xmlns:a14="http://schemas.microsoft.com/office/drawing/2010/main">
+        <mc:Choice Requires="a14">
           <p:sp>
             <p:nvSpPr>
               <p:cNvPr id="13" name="文字方塊 12">
@@ -6241,7 +6227,6 @@
               </a:bodyPr>
               <a:lstStyle/>
               <a:p>
-                <a:pPr/>
                 <a14:m>
                   <m:oMath xmlns:m="http://schemas.openxmlformats.org/officeDocument/2006/math">
                     <m:r>
@@ -6295,7 +6280,7 @@
             </p:txBody>
           </p:sp>
         </mc:Choice>
-        <mc:Fallback>
+        <mc:Fallback xmlns="">
           <p:sp>
             <p:nvSpPr>
               <p:cNvPr id="13" name="文字方塊 12">
@@ -7344,6 +7329,477 @@
 </p:sld>
 </file>
 
+<file path=ppt/slides/slide7.xml><?xml version="1.0" encoding="utf-8"?>
+<p:sld xmlns:a="http://schemas.openxmlformats.org/drawingml/2006/main" xmlns:r="http://schemas.openxmlformats.org/officeDocument/2006/relationships" xmlns:p="http://schemas.openxmlformats.org/presentationml/2006/main">
+  <p:cSld>
+    <p:spTree>
+      <p:nvGrpSpPr>
+        <p:cNvPr id="1" name=""/>
+        <p:cNvGrpSpPr/>
+        <p:nvPr/>
+      </p:nvGrpSpPr>
+      <p:grpSpPr>
+        <a:xfrm>
+          <a:off x="0" y="0"/>
+          <a:ext cx="0" cy="0"/>
+          <a:chOff x="0" y="0"/>
+          <a:chExt cx="0" cy="0"/>
+        </a:xfrm>
+      </p:grpSpPr>
+      <p:sp>
+        <p:nvSpPr>
+          <p:cNvPr id="2" name="標題 1">
+            <a:extLst>
+              <a:ext uri="{FF2B5EF4-FFF2-40B4-BE49-F238E27FC236}">
+                <a16:creationId xmlns:a16="http://schemas.microsoft.com/office/drawing/2014/main" id="{2EF32F3E-DCB6-4BFC-8732-F3E502A6A1B4}"/>
+              </a:ext>
+            </a:extLst>
+          </p:cNvPr>
+          <p:cNvSpPr>
+            <a:spLocks noGrp="1"/>
+          </p:cNvSpPr>
+          <p:nvPr>
+            <p:ph type="title"/>
+          </p:nvPr>
+        </p:nvSpPr>
+        <p:spPr/>
+        <p:txBody>
+          <a:bodyPr/>
+          <a:lstStyle/>
+          <a:p>
+            <a:r>
+              <a:rPr lang="en-US" altLang="zh-TW"/>
+              <a:t>Confusion matrix</a:t>
+            </a:r>
+            <a:endParaRPr lang="zh-TW" altLang="en-US" dirty="0"/>
+          </a:p>
+        </p:txBody>
+      </p:sp>
+      <p:graphicFrame>
+        <p:nvGraphicFramePr>
+          <p:cNvPr id="4" name="表格 4">
+            <a:extLst>
+              <a:ext uri="{FF2B5EF4-FFF2-40B4-BE49-F238E27FC236}">
+                <a16:creationId xmlns:a16="http://schemas.microsoft.com/office/drawing/2014/main" id="{0C87C9BC-C4C2-41F6-A1E1-676BE38DA2EF}"/>
+              </a:ext>
+            </a:extLst>
+          </p:cNvPr>
+          <p:cNvGraphicFramePr>
+            <a:graphicFrameLocks noGrp="1"/>
+          </p:cNvGraphicFramePr>
+          <p:nvPr>
+            <p:extLst>
+              <p:ext uri="{D42A27DB-BD31-4B8C-83A1-F6EECF244321}">
+                <p14:modId xmlns:p14="http://schemas.microsoft.com/office/powerpoint/2010/main" val="4106263762"/>
+              </p:ext>
+            </p:extLst>
+          </p:nvPr>
+        </p:nvGraphicFramePr>
+        <p:xfrm>
+          <a:off x="1410564" y="3107758"/>
+          <a:ext cx="7582517" cy="1285240"/>
+        </p:xfrm>
+        <a:graphic>
+          <a:graphicData uri="http://schemas.openxmlformats.org/drawingml/2006/table">
+            <a:tbl>
+              <a:tblPr firstRow="1" firstCol="1" bandRow="1">
+                <a:tableStyleId>{5C22544A-7EE6-4342-B048-85BDC9FD1C3A}</a:tableStyleId>
+              </a:tblPr>
+              <a:tblGrid>
+                <a:gridCol w="2575510">
+                  <a:extLst>
+                    <a:ext uri="{9D8B030D-6E8A-4147-A177-3AD203B41FA5}">
+                      <a16:colId xmlns:a16="http://schemas.microsoft.com/office/drawing/2014/main" val="2285019889"/>
+                    </a:ext>
+                  </a:extLst>
+                </a:gridCol>
+                <a:gridCol w="2479501">
+                  <a:extLst>
+                    <a:ext uri="{9D8B030D-6E8A-4147-A177-3AD203B41FA5}">
+                      <a16:colId xmlns:a16="http://schemas.microsoft.com/office/drawing/2014/main" val="245910050"/>
+                    </a:ext>
+                  </a:extLst>
+                </a:gridCol>
+                <a:gridCol w="2527506">
+                  <a:extLst>
+                    <a:ext uri="{9D8B030D-6E8A-4147-A177-3AD203B41FA5}">
+                      <a16:colId xmlns:a16="http://schemas.microsoft.com/office/drawing/2014/main" val="2962224618"/>
+                    </a:ext>
+                  </a:extLst>
+                </a:gridCol>
+              </a:tblGrid>
+              <a:tr h="370840">
+                <a:tc>
+                  <a:txBody>
+                    <a:bodyPr/>
+                    <a:lstStyle/>
+                    <a:p>
+                      <a:pPr algn="ctr"/>
+                      <a:endParaRPr lang="zh-TW" altLang="en-US" dirty="0"/>
+                    </a:p>
+                  </a:txBody>
+                  <a:tcPr anchor="ctr">
+                    <a:lnL w="12700" cmpd="sng">
+                      <a:noFill/>
+                    </a:lnL>
+                    <a:lnR w="12700" cmpd="sng">
+                      <a:noFill/>
+                    </a:lnR>
+                    <a:lnT w="12700" cmpd="sng">
+                      <a:noFill/>
+                    </a:lnT>
+                    <a:lnB w="38100" cmpd="sng">
+                      <a:noFill/>
+                    </a:lnB>
+                    <a:lnTlToBr w="12700" cap="flat" cmpd="sng" algn="ctr">
+                      <a:solidFill>
+                        <a:schemeClr val="tx1"/>
+                      </a:solidFill>
+                      <a:prstDash val="solid"/>
+                      <a:round/>
+                      <a:headEnd type="none" w="med" len="med"/>
+                      <a:tailEnd type="none" w="med" len="med"/>
+                    </a:lnTlToBr>
+                    <a:lnBlToTr w="12700" cmpd="sng">
+                      <a:noFill/>
+                      <a:prstDash val="solid"/>
+                    </a:lnBlToTr>
+                    <a:solidFill>
+                      <a:schemeClr val="bg2"/>
+                    </a:solidFill>
+                  </a:tcPr>
+                </a:tc>
+                <a:tc>
+                  <a:txBody>
+                    <a:bodyPr/>
+                    <a:lstStyle/>
+                    <a:p>
+                      <a:pPr marL="0" marR="0" lvl="0" indent="0" algn="ctr" defTabSz="914400" rtl="0" eaLnBrk="1" fontAlgn="auto" latinLnBrk="0" hangingPunct="1">
+                        <a:lnSpc>
+                          <a:spcPct val="100000"/>
+                        </a:lnSpc>
+                        <a:spcBef>
+                          <a:spcPts val="0"/>
+                        </a:spcBef>
+                        <a:spcAft>
+                          <a:spcPts val="0"/>
+                        </a:spcAft>
+                        <a:buClrTx/>
+                        <a:buSzTx/>
+                        <a:buFontTx/>
+                        <a:buNone/>
+                        <a:tabLst/>
+                        <a:defRPr/>
+                      </a:pPr>
+                      <a:r>
+                        <a:rPr lang="zh-TW" altLang="en-US" dirty="0"/>
+                        <a:t>非垃圾訊息</a:t>
+                      </a:r>
+                    </a:p>
+                  </a:txBody>
+                  <a:tcPr anchor="ctr">
+                    <a:lnL w="12700" cmpd="sng">
+                      <a:noFill/>
+                    </a:lnL>
+                  </a:tcPr>
+                </a:tc>
+                <a:tc>
+                  <a:txBody>
+                    <a:bodyPr/>
+                    <a:lstStyle/>
+                    <a:p>
+                      <a:pPr marL="0" marR="0" lvl="0" indent="0" algn="ctr" defTabSz="914400" rtl="0" eaLnBrk="1" fontAlgn="auto" latinLnBrk="0" hangingPunct="1">
+                        <a:lnSpc>
+                          <a:spcPct val="100000"/>
+                        </a:lnSpc>
+                        <a:spcBef>
+                          <a:spcPts val="0"/>
+                        </a:spcBef>
+                        <a:spcAft>
+                          <a:spcPts val="0"/>
+                        </a:spcAft>
+                        <a:buClrTx/>
+                        <a:buSzTx/>
+                        <a:buFontTx/>
+                        <a:buNone/>
+                        <a:tabLst/>
+                        <a:defRPr/>
+                      </a:pPr>
+                      <a:r>
+                        <a:rPr lang="zh-TW" altLang="en-US" dirty="0"/>
+                        <a:t>垃圾訊息</a:t>
+                      </a:r>
+                    </a:p>
+                  </a:txBody>
+                  <a:tcPr anchor="ctr"/>
+                </a:tc>
+                <a:extLst>
+                  <a:ext uri="{0D108BD9-81ED-4DB2-BD59-A6C34878D82A}">
+                    <a16:rowId xmlns:a16="http://schemas.microsoft.com/office/drawing/2014/main" val="3539774125"/>
+                  </a:ext>
+                </a:extLst>
+              </a:tr>
+              <a:tr h="370840">
+                <a:tc>
+                  <a:txBody>
+                    <a:bodyPr/>
+                    <a:lstStyle/>
+                    <a:p>
+                      <a:pPr algn="ctr"/>
+                      <a:r>
+                        <a:rPr lang="zh-TW" altLang="en-US" dirty="0"/>
+                        <a:t>非垃圾訊息</a:t>
+                      </a:r>
+                    </a:p>
+                  </a:txBody>
+                  <a:tcPr anchor="ctr">
+                    <a:lnT w="38100" cmpd="sng">
+                      <a:noFill/>
+                    </a:lnT>
+                  </a:tcPr>
+                </a:tc>
+                <a:tc>
+                  <a:txBody>
+                    <a:bodyPr/>
+                    <a:lstStyle/>
+                    <a:p>
+                      <a:pPr algn="ctr"/>
+                      <a:r>
+                        <a:rPr lang="en-US" altLang="zh-TW" sz="2400" b="1" dirty="0"/>
+                        <a:t>969</a:t>
+                      </a:r>
+                      <a:endParaRPr lang="zh-TW" altLang="en-US" sz="2400" b="1" dirty="0"/>
+                    </a:p>
+                  </a:txBody>
+                  <a:tcPr anchor="ctr">
+                    <a:solidFill>
+                      <a:schemeClr val="bg2"/>
+                    </a:solidFill>
+                  </a:tcPr>
+                </a:tc>
+                <a:tc>
+                  <a:txBody>
+                    <a:bodyPr/>
+                    <a:lstStyle/>
+                    <a:p>
+                      <a:pPr algn="ctr"/>
+                      <a:r>
+                        <a:rPr lang="en-US" altLang="zh-TW" sz="2400" b="1" dirty="0"/>
+                        <a:t>3</a:t>
+                      </a:r>
+                      <a:endParaRPr lang="zh-TW" altLang="en-US" sz="2400" b="1" dirty="0"/>
+                    </a:p>
+                  </a:txBody>
+                  <a:tcPr anchor="ctr">
+                    <a:solidFill>
+                      <a:schemeClr val="bg2"/>
+                    </a:solidFill>
+                  </a:tcPr>
+                </a:tc>
+                <a:extLst>
+                  <a:ext uri="{0D108BD9-81ED-4DB2-BD59-A6C34878D82A}">
+                    <a16:rowId xmlns:a16="http://schemas.microsoft.com/office/drawing/2014/main" val="460714650"/>
+                  </a:ext>
+                </a:extLst>
+              </a:tr>
+              <a:tr h="370840">
+                <a:tc>
+                  <a:txBody>
+                    <a:bodyPr/>
+                    <a:lstStyle/>
+                    <a:p>
+                      <a:pPr algn="ctr"/>
+                      <a:r>
+                        <a:rPr lang="zh-TW" altLang="en-US" dirty="0"/>
+                        <a:t>垃圾訊息</a:t>
+                      </a:r>
+                    </a:p>
+                  </a:txBody>
+                  <a:tcPr anchor="ctr"/>
+                </a:tc>
+                <a:tc>
+                  <a:txBody>
+                    <a:bodyPr/>
+                    <a:lstStyle/>
+                    <a:p>
+                      <a:pPr algn="ctr"/>
+                      <a:r>
+                        <a:rPr lang="en-US" altLang="zh-TW" sz="2400" b="1" dirty="0"/>
+                        <a:t>21</a:t>
+                      </a:r>
+                      <a:endParaRPr lang="zh-TW" altLang="en-US" sz="2400" b="1" dirty="0"/>
+                    </a:p>
+                  </a:txBody>
+                  <a:tcPr anchor="ctr">
+                    <a:solidFill>
+                      <a:schemeClr val="bg2"/>
+                    </a:solidFill>
+                  </a:tcPr>
+                </a:tc>
+                <a:tc>
+                  <a:txBody>
+                    <a:bodyPr/>
+                    <a:lstStyle/>
+                    <a:p>
+                      <a:pPr algn="ctr"/>
+                      <a:r>
+                        <a:rPr lang="en-US" altLang="zh-TW" sz="2400" b="1" dirty="0"/>
+                        <a:t>122</a:t>
+                      </a:r>
+                      <a:endParaRPr lang="zh-TW" altLang="en-US" sz="2400" b="1" dirty="0"/>
+                    </a:p>
+                  </a:txBody>
+                  <a:tcPr anchor="ctr">
+                    <a:solidFill>
+                      <a:schemeClr val="bg2"/>
+                    </a:solidFill>
+                  </a:tcPr>
+                </a:tc>
+                <a:extLst>
+                  <a:ext uri="{0D108BD9-81ED-4DB2-BD59-A6C34878D82A}">
+                    <a16:rowId xmlns:a16="http://schemas.microsoft.com/office/drawing/2014/main" val="3086660285"/>
+                  </a:ext>
+                </a:extLst>
+              </a:tr>
+            </a:tbl>
+          </a:graphicData>
+        </a:graphic>
+      </p:graphicFrame>
+      <p:sp>
+        <p:nvSpPr>
+          <p:cNvPr id="7" name="文字方塊 6">
+            <a:extLst>
+              <a:ext uri="{FF2B5EF4-FFF2-40B4-BE49-F238E27FC236}">
+                <a16:creationId xmlns:a16="http://schemas.microsoft.com/office/drawing/2014/main" id="{F7E86D06-9DD3-4DBE-9210-2B7EAE5D72F2}"/>
+              </a:ext>
+            </a:extLst>
+          </p:cNvPr>
+          <p:cNvSpPr txBox="1"/>
+          <p:nvPr/>
+        </p:nvSpPr>
+        <p:spPr>
+          <a:xfrm>
+            <a:off x="1651244" y="3178782"/>
+            <a:ext cx="719091" cy="369332"/>
+          </a:xfrm>
+          <a:prstGeom prst="rect">
+            <a:avLst/>
+          </a:prstGeom>
+          <a:noFill/>
+        </p:spPr>
+        <p:txBody>
+          <a:bodyPr wrap="square" rtlCol="0">
+            <a:spAutoFit/>
+          </a:bodyPr>
+          <a:lstStyle/>
+          <a:p>
+            <a:r>
+              <a:rPr lang="zh-TW" altLang="en-US" b="1" dirty="0">
+                <a:latin typeface="微軟正黑體" panose="020B0604030504040204" pitchFamily="34" charset="-120"/>
+                <a:ea typeface="微軟正黑體" panose="020B0604030504040204" pitchFamily="34" charset="-120"/>
+              </a:rPr>
+              <a:t>預測</a:t>
+            </a:r>
+          </a:p>
+        </p:txBody>
+      </p:sp>
+      <p:sp>
+        <p:nvSpPr>
+          <p:cNvPr id="9" name="文字方塊 8">
+            <a:extLst>
+              <a:ext uri="{FF2B5EF4-FFF2-40B4-BE49-F238E27FC236}">
+                <a16:creationId xmlns:a16="http://schemas.microsoft.com/office/drawing/2014/main" id="{098D25B9-BA15-466D-9F50-5EF0DD2D4FB3}"/>
+              </a:ext>
+            </a:extLst>
+          </p:cNvPr>
+          <p:cNvSpPr txBox="1"/>
+          <p:nvPr/>
+        </p:nvSpPr>
+        <p:spPr>
+          <a:xfrm>
+            <a:off x="3295092" y="3098880"/>
+            <a:ext cx="719091" cy="369332"/>
+          </a:xfrm>
+          <a:prstGeom prst="rect">
+            <a:avLst/>
+          </a:prstGeom>
+          <a:noFill/>
+        </p:spPr>
+        <p:txBody>
+          <a:bodyPr wrap="square" rtlCol="0">
+            <a:spAutoFit/>
+          </a:bodyPr>
+          <a:lstStyle/>
+          <a:p>
+            <a:r>
+              <a:rPr lang="zh-TW" altLang="en-US" b="1" dirty="0">
+                <a:latin typeface="微軟正黑體" panose="020B0604030504040204" pitchFamily="34" charset="-120"/>
+                <a:ea typeface="微軟正黑體" panose="020B0604030504040204" pitchFamily="34" charset="-120"/>
+              </a:rPr>
+              <a:t>實際</a:t>
+            </a:r>
+          </a:p>
+        </p:txBody>
+      </p:sp>
+      <p:sp>
+        <p:nvSpPr>
+          <p:cNvPr id="10" name="文字方塊 9">
+            <a:extLst>
+              <a:ext uri="{FF2B5EF4-FFF2-40B4-BE49-F238E27FC236}">
+                <a16:creationId xmlns:a16="http://schemas.microsoft.com/office/drawing/2014/main" id="{C2E91910-7690-4595-AE1B-98EB4A335130}"/>
+              </a:ext>
+            </a:extLst>
+          </p:cNvPr>
+          <p:cNvSpPr txBox="1"/>
+          <p:nvPr/>
+        </p:nvSpPr>
+        <p:spPr>
+          <a:xfrm>
+            <a:off x="1437198" y="4691738"/>
+            <a:ext cx="7094244" cy="369332"/>
+          </a:xfrm>
+          <a:prstGeom prst="rect">
+            <a:avLst/>
+          </a:prstGeom>
+          <a:noFill/>
+        </p:spPr>
+        <p:txBody>
+          <a:bodyPr wrap="square" rtlCol="0">
+            <a:spAutoFit/>
+          </a:bodyPr>
+          <a:lstStyle/>
+          <a:p>
+            <a:r>
+              <a:rPr lang="en-US" altLang="zh-TW" dirty="0"/>
+              <a:t>Precision 969/</a:t>
+            </a:r>
+            <a:r>
+              <a:rPr lang="en-US" altLang="zh-TW" dirty="0">
+                <a:sym typeface="Wingdings" panose="05000000000000000000" pitchFamily="2" charset="2"/>
+              </a:rPr>
+              <a:t>(</a:t>
+            </a:r>
+            <a:r>
+              <a:rPr lang="en-US" altLang="zh-TW" dirty="0"/>
+              <a:t>969+21) =89%</a:t>
+            </a:r>
+            <a:endParaRPr lang="zh-TW" altLang="en-US" dirty="0"/>
+          </a:p>
+        </p:txBody>
+      </p:sp>
+    </p:spTree>
+    <p:extLst>
+      <p:ext uri="{BB962C8B-B14F-4D97-AF65-F5344CB8AC3E}">
+        <p14:creationId xmlns:p14="http://schemas.microsoft.com/office/powerpoint/2010/main" val="3185038968"/>
+      </p:ext>
+    </p:extLst>
+  </p:cSld>
+  <p:clrMapOvr>
+    <a:masterClrMapping/>
+  </p:clrMapOvr>
+</p:sld>
+</file>
+
 <file path=ppt/theme/theme1.xml><?xml version="1.0" encoding="utf-8"?>
 <a:theme xmlns:a="http://schemas.openxmlformats.org/drawingml/2006/main" name="Office 佈景主題">
   <a:themeElements>
